--- a/docs/assets/images/landing.pptx
+++ b/docs/assets/images/landing.pptx
@@ -6,7 +6,7 @@
   </p:sldMasterIdLst>
   <p:sldIdLst>
     <p:sldId id="256" r:id="rId2"/>
-    <p:sldId id="257" r:id="rId3"/>
+    <p:sldId id="258" r:id="rId3"/>
   </p:sldIdLst>
   <p:sldSz cx="12192000" cy="6858000"/>
   <p:notesSz cx="6858000" cy="9144000"/>
@@ -4153,8 +4153,8 @@
         </p:nvSpPr>
         <p:spPr>
           <a:xfrm>
-            <a:off x="4005357" y="1826817"/>
-            <a:ext cx="2791178" cy="430887"/>
+            <a:off x="3631691" y="1214270"/>
+            <a:ext cx="2791178" cy="769441"/>
           </a:xfrm>
           <a:prstGeom prst="rect">
             <a:avLst/>
@@ -4168,7 +4168,23 @@
           <a:lstStyle/>
           <a:p>
             <a:pPr algn="ctr"/>
-            <a:endParaRPr lang="en-US" sz="2200" b="1" cap="none" spc="0" dirty="0">
+            <a:r>
+              <a:rPr lang="ja-JP" altLang="de-DE" sz="4400" b="1" cap="none" spc="0" dirty="0">
+                <a:ln w="10160">
+                  <a:solidFill>
+                    <a:schemeClr val="bg1"/>
+                  </a:solidFill>
+                  <a:prstDash val="solid"/>
+                </a:ln>
+                <a:solidFill>
+                  <a:srgbClr val="FFFFFF"/>
+                </a:solidFill>
+                <a:latin typeface="Courier New" panose="02070309020205020404" pitchFamily="49" charset="0"/>
+                <a:cs typeface="Courier New" panose="02070309020205020404" pitchFamily="49" charset="0"/>
+              </a:rPr>
+              <a:t>ようこそ</a:t>
+            </a:r>
+            <a:endParaRPr lang="en-US" sz="4400" b="1" cap="none" spc="0" dirty="0">
               <a:ln w="10160">
                 <a:solidFill>
                   <a:schemeClr val="bg1"/>
@@ -4613,6 +4629,420 @@
               <a:latin typeface="Courier New" panose="02070309020205020404" pitchFamily="49" charset="0"/>
               <a:cs typeface="Courier New" panose="02070309020205020404" pitchFamily="49" charset="0"/>
             </a:endParaRPr>
+          </a:p>
+        </p:txBody>
+      </p:sp>
+      <p:sp>
+        <p:nvSpPr>
+          <p:cNvPr id="28" name="TextBox 27">
+            <a:extLst>
+              <a:ext uri="{FF2B5EF4-FFF2-40B4-BE49-F238E27FC236}">
+                <a16:creationId xmlns:a16="http://schemas.microsoft.com/office/drawing/2014/main" id="{0B216B48-22C4-401F-96D8-EB96C7F96DAE}"/>
+              </a:ext>
+            </a:extLst>
+          </p:cNvPr>
+          <p:cNvSpPr txBox="1"/>
+          <p:nvPr/>
+        </p:nvSpPr>
+        <p:spPr>
+          <a:xfrm>
+            <a:off x="8278436" y="405455"/>
+            <a:ext cx="2791178" cy="584775"/>
+          </a:xfrm>
+          <a:prstGeom prst="rect">
+            <a:avLst/>
+          </a:prstGeom>
+          <a:noFill/>
+        </p:spPr>
+        <p:txBody>
+          <a:bodyPr wrap="square">
+            <a:spAutoFit/>
+          </a:bodyPr>
+          <a:lstStyle/>
+          <a:p>
+            <a:pPr algn="ctr"/>
+            <a:r>
+              <a:rPr lang="ja-JP" altLang="de-DE" sz="3200" b="1" cap="none" spc="0" dirty="0">
+                <a:ln w="10160">
+                  <a:solidFill>
+                    <a:schemeClr val="bg1"/>
+                  </a:solidFill>
+                  <a:prstDash val="solid"/>
+                </a:ln>
+                <a:solidFill>
+                  <a:srgbClr val="FFFFFF"/>
+                </a:solidFill>
+                <a:latin typeface="Courier New" panose="02070309020205020404" pitchFamily="49" charset="0"/>
+                <a:cs typeface="Courier New" panose="02070309020205020404" pitchFamily="49" charset="0"/>
+              </a:rPr>
+              <a:t>ようこそ</a:t>
+            </a:r>
+            <a:endParaRPr lang="en-US" sz="3200" b="1" cap="none" spc="0" dirty="0">
+              <a:ln w="10160">
+                <a:solidFill>
+                  <a:schemeClr val="bg1"/>
+                </a:solidFill>
+                <a:prstDash val="solid"/>
+              </a:ln>
+              <a:solidFill>
+                <a:srgbClr val="FFFFFF"/>
+              </a:solidFill>
+              <a:latin typeface="Courier New" panose="02070309020205020404" pitchFamily="49" charset="0"/>
+              <a:cs typeface="Courier New" panose="02070309020205020404" pitchFamily="49" charset="0"/>
+            </a:endParaRPr>
+          </a:p>
+        </p:txBody>
+      </p:sp>
+      <p:sp>
+        <p:nvSpPr>
+          <p:cNvPr id="31" name="TextBox 30">
+            <a:extLst>
+              <a:ext uri="{FF2B5EF4-FFF2-40B4-BE49-F238E27FC236}">
+                <a16:creationId xmlns:a16="http://schemas.microsoft.com/office/drawing/2014/main" id="{82CFE954-F3B6-4BFF-908B-F995D628B57D}"/>
+              </a:ext>
+            </a:extLst>
+          </p:cNvPr>
+          <p:cNvSpPr txBox="1"/>
+          <p:nvPr/>
+        </p:nvSpPr>
+        <p:spPr>
+          <a:xfrm>
+            <a:off x="455618" y="3236351"/>
+            <a:ext cx="2791178" cy="523220"/>
+          </a:xfrm>
+          <a:prstGeom prst="rect">
+            <a:avLst/>
+          </a:prstGeom>
+          <a:noFill/>
+        </p:spPr>
+        <p:txBody>
+          <a:bodyPr wrap="square">
+            <a:spAutoFit/>
+          </a:bodyPr>
+          <a:lstStyle/>
+          <a:p>
+            <a:pPr algn="ctr"/>
+            <a:r>
+              <a:rPr lang="ja-JP" altLang="de-DE" sz="2800" b="1" cap="none" spc="0" dirty="0">
+                <a:ln w="10160">
+                  <a:solidFill>
+                    <a:schemeClr val="bg1"/>
+                  </a:solidFill>
+                  <a:prstDash val="solid"/>
+                </a:ln>
+                <a:solidFill>
+                  <a:srgbClr val="FFFFFF"/>
+                </a:solidFill>
+                <a:latin typeface="Courier New" panose="02070309020205020404" pitchFamily="49" charset="0"/>
+                <a:cs typeface="Courier New" panose="02070309020205020404" pitchFamily="49" charset="0"/>
+              </a:rPr>
+              <a:t>ようこそ</a:t>
+            </a:r>
+            <a:endParaRPr lang="en-US" sz="2800" b="1" cap="none" spc="0" dirty="0">
+              <a:ln w="10160">
+                <a:solidFill>
+                  <a:schemeClr val="bg1"/>
+                </a:solidFill>
+                <a:prstDash val="solid"/>
+              </a:ln>
+              <a:solidFill>
+                <a:srgbClr val="FFFFFF"/>
+              </a:solidFill>
+              <a:latin typeface="Courier New" panose="02070309020205020404" pitchFamily="49" charset="0"/>
+              <a:cs typeface="Courier New" panose="02070309020205020404" pitchFamily="49" charset="0"/>
+            </a:endParaRPr>
+          </a:p>
+        </p:txBody>
+      </p:sp>
+      <p:sp>
+        <p:nvSpPr>
+          <p:cNvPr id="32" name="TextBox 31">
+            <a:extLst>
+              <a:ext uri="{FF2B5EF4-FFF2-40B4-BE49-F238E27FC236}">
+                <a16:creationId xmlns:a16="http://schemas.microsoft.com/office/drawing/2014/main" id="{7429570E-4911-441D-98FB-E599528290F4}"/>
+              </a:ext>
+            </a:extLst>
+          </p:cNvPr>
+          <p:cNvSpPr txBox="1"/>
+          <p:nvPr/>
+        </p:nvSpPr>
+        <p:spPr>
+          <a:xfrm>
+            <a:off x="6422869" y="3963976"/>
+            <a:ext cx="2791178" cy="461665"/>
+          </a:xfrm>
+          <a:prstGeom prst="rect">
+            <a:avLst/>
+          </a:prstGeom>
+          <a:noFill/>
+        </p:spPr>
+        <p:txBody>
+          <a:bodyPr wrap="square">
+            <a:spAutoFit/>
+          </a:bodyPr>
+          <a:lstStyle/>
+          <a:p>
+            <a:pPr algn="ctr"/>
+            <a:r>
+              <a:rPr lang="ja-JP" altLang="de-DE" sz="2400" b="1" cap="none" spc="0" dirty="0">
+                <a:ln w="10160">
+                  <a:solidFill>
+                    <a:schemeClr val="bg1"/>
+                  </a:solidFill>
+                  <a:prstDash val="solid"/>
+                </a:ln>
+                <a:solidFill>
+                  <a:srgbClr val="FFFFFF"/>
+                </a:solidFill>
+                <a:latin typeface="Courier New" panose="02070309020205020404" pitchFamily="49" charset="0"/>
+                <a:cs typeface="Courier New" panose="02070309020205020404" pitchFamily="49" charset="0"/>
+              </a:rPr>
+              <a:t>ようこそ</a:t>
+            </a:r>
+            <a:endParaRPr lang="en-US" sz="2400" b="1" cap="none" spc="0" dirty="0">
+              <a:ln w="10160">
+                <a:solidFill>
+                  <a:schemeClr val="bg1"/>
+                </a:solidFill>
+                <a:prstDash val="solid"/>
+              </a:ln>
+              <a:solidFill>
+                <a:srgbClr val="FFFFFF"/>
+              </a:solidFill>
+              <a:latin typeface="Courier New" panose="02070309020205020404" pitchFamily="49" charset="0"/>
+              <a:cs typeface="Courier New" panose="02070309020205020404" pitchFamily="49" charset="0"/>
+            </a:endParaRPr>
+          </a:p>
+        </p:txBody>
+      </p:sp>
+      <p:sp>
+        <p:nvSpPr>
+          <p:cNvPr id="33" name="TextBox 32">
+            <a:extLst>
+              <a:ext uri="{FF2B5EF4-FFF2-40B4-BE49-F238E27FC236}">
+                <a16:creationId xmlns:a16="http://schemas.microsoft.com/office/drawing/2014/main" id="{55AC36AD-3195-4D36-9D2F-AF1A30BAB4B3}"/>
+              </a:ext>
+            </a:extLst>
+          </p:cNvPr>
+          <p:cNvSpPr txBox="1"/>
+          <p:nvPr/>
+        </p:nvSpPr>
+        <p:spPr>
+          <a:xfrm>
+            <a:off x="9494209" y="3575859"/>
+            <a:ext cx="2791178" cy="400110"/>
+          </a:xfrm>
+          <a:prstGeom prst="rect">
+            <a:avLst/>
+          </a:prstGeom>
+          <a:noFill/>
+        </p:spPr>
+        <p:txBody>
+          <a:bodyPr wrap="square">
+            <a:spAutoFit/>
+          </a:bodyPr>
+          <a:lstStyle/>
+          <a:p>
+            <a:pPr algn="ctr"/>
+            <a:r>
+              <a:rPr lang="ja-JP" altLang="de-DE" sz="2000" b="1" cap="none" spc="0" dirty="0">
+                <a:ln w="10160">
+                  <a:solidFill>
+                    <a:schemeClr val="bg1"/>
+                  </a:solidFill>
+                  <a:prstDash val="solid"/>
+                </a:ln>
+                <a:solidFill>
+                  <a:srgbClr val="FFFFFF"/>
+                </a:solidFill>
+                <a:latin typeface="Courier New" panose="02070309020205020404" pitchFamily="49" charset="0"/>
+                <a:cs typeface="Courier New" panose="02070309020205020404" pitchFamily="49" charset="0"/>
+              </a:rPr>
+              <a:t>ようこそ</a:t>
+            </a:r>
+            <a:endParaRPr lang="en-US" sz="2000" b="1" cap="none" spc="0" dirty="0">
+              <a:ln w="10160">
+                <a:solidFill>
+                  <a:schemeClr val="bg1"/>
+                </a:solidFill>
+                <a:prstDash val="solid"/>
+              </a:ln>
+              <a:solidFill>
+                <a:srgbClr val="FFFFFF"/>
+              </a:solidFill>
+              <a:latin typeface="Courier New" panose="02070309020205020404" pitchFamily="49" charset="0"/>
+              <a:cs typeface="Courier New" panose="02070309020205020404" pitchFamily="49" charset="0"/>
+            </a:endParaRPr>
+          </a:p>
+        </p:txBody>
+      </p:sp>
+      <p:sp>
+        <p:nvSpPr>
+          <p:cNvPr id="34" name="TextBox 33">
+            <a:extLst>
+              <a:ext uri="{FF2B5EF4-FFF2-40B4-BE49-F238E27FC236}">
+                <a16:creationId xmlns:a16="http://schemas.microsoft.com/office/drawing/2014/main" id="{D7EDE440-12A1-4340-BB6B-8A0EFFA6A763}"/>
+              </a:ext>
+            </a:extLst>
+          </p:cNvPr>
+          <p:cNvSpPr txBox="1"/>
+          <p:nvPr/>
+        </p:nvSpPr>
+        <p:spPr>
+          <a:xfrm>
+            <a:off x="244257" y="6021299"/>
+            <a:ext cx="2791178" cy="400110"/>
+          </a:xfrm>
+          <a:prstGeom prst="rect">
+            <a:avLst/>
+          </a:prstGeom>
+          <a:noFill/>
+        </p:spPr>
+        <p:txBody>
+          <a:bodyPr wrap="square">
+            <a:spAutoFit/>
+          </a:bodyPr>
+          <a:lstStyle/>
+          <a:p>
+            <a:pPr algn="ctr"/>
+            <a:r>
+              <a:rPr lang="ja-JP" altLang="de-DE" sz="2000" b="1" cap="none" spc="0" dirty="0">
+                <a:ln w="10160">
+                  <a:solidFill>
+                    <a:schemeClr val="bg1"/>
+                  </a:solidFill>
+                  <a:prstDash val="solid"/>
+                </a:ln>
+                <a:solidFill>
+                  <a:srgbClr val="FFFFFF"/>
+                </a:solidFill>
+                <a:latin typeface="Courier New" panose="02070309020205020404" pitchFamily="49" charset="0"/>
+                <a:cs typeface="Courier New" panose="02070309020205020404" pitchFamily="49" charset="0"/>
+              </a:rPr>
+              <a:t>ようこそ</a:t>
+            </a:r>
+            <a:endParaRPr lang="en-US" sz="2000" b="1" cap="none" spc="0" dirty="0">
+              <a:ln w="10160">
+                <a:solidFill>
+                  <a:schemeClr val="bg1"/>
+                </a:solidFill>
+                <a:prstDash val="solid"/>
+              </a:ln>
+              <a:solidFill>
+                <a:srgbClr val="FFFFFF"/>
+              </a:solidFill>
+              <a:latin typeface="Courier New" panose="02070309020205020404" pitchFamily="49" charset="0"/>
+              <a:cs typeface="Courier New" panose="02070309020205020404" pitchFamily="49" charset="0"/>
+            </a:endParaRPr>
+          </a:p>
+        </p:txBody>
+      </p:sp>
+      <p:sp>
+        <p:nvSpPr>
+          <p:cNvPr id="35" name="TextBox 34">
+            <a:extLst>
+              <a:ext uri="{FF2B5EF4-FFF2-40B4-BE49-F238E27FC236}">
+                <a16:creationId xmlns:a16="http://schemas.microsoft.com/office/drawing/2014/main" id="{D2165B08-AE91-4CE2-8D8B-5A53702A4350}"/>
+              </a:ext>
+            </a:extLst>
+          </p:cNvPr>
+          <p:cNvSpPr txBox="1"/>
+          <p:nvPr/>
+        </p:nvSpPr>
+        <p:spPr>
+          <a:xfrm>
+            <a:off x="8470957" y="5755337"/>
+            <a:ext cx="2791178" cy="400110"/>
+          </a:xfrm>
+          <a:prstGeom prst="rect">
+            <a:avLst/>
+          </a:prstGeom>
+          <a:noFill/>
+        </p:spPr>
+        <p:txBody>
+          <a:bodyPr wrap="square">
+            <a:spAutoFit/>
+          </a:bodyPr>
+          <a:lstStyle/>
+          <a:p>
+            <a:pPr algn="ctr"/>
+            <a:r>
+              <a:rPr lang="ja-JP" altLang="de-DE" sz="2000" b="1" cap="none" spc="0" dirty="0">
+                <a:ln w="10160">
+                  <a:solidFill>
+                    <a:schemeClr val="bg1"/>
+                  </a:solidFill>
+                  <a:prstDash val="solid"/>
+                </a:ln>
+                <a:solidFill>
+                  <a:srgbClr val="FFFFFF"/>
+                </a:solidFill>
+                <a:latin typeface="Courier New" panose="02070309020205020404" pitchFamily="49" charset="0"/>
+                <a:cs typeface="Courier New" panose="02070309020205020404" pitchFamily="49" charset="0"/>
+              </a:rPr>
+              <a:t>ようこそ</a:t>
+            </a:r>
+            <a:endParaRPr lang="en-US" sz="2000" b="1" cap="none" spc="0" dirty="0">
+              <a:ln w="10160">
+                <a:solidFill>
+                  <a:schemeClr val="bg1"/>
+                </a:solidFill>
+                <a:prstDash val="solid"/>
+              </a:ln>
+              <a:solidFill>
+                <a:srgbClr val="FFFFFF"/>
+              </a:solidFill>
+              <a:latin typeface="Courier New" panose="02070309020205020404" pitchFamily="49" charset="0"/>
+              <a:cs typeface="Courier New" panose="02070309020205020404" pitchFamily="49" charset="0"/>
+            </a:endParaRPr>
+          </a:p>
+        </p:txBody>
+      </p:sp>
+      <p:sp>
+        <p:nvSpPr>
+          <p:cNvPr id="36" name="TextBox 35">
+            <a:extLst>
+              <a:ext uri="{FF2B5EF4-FFF2-40B4-BE49-F238E27FC236}">
+                <a16:creationId xmlns:a16="http://schemas.microsoft.com/office/drawing/2014/main" id="{DCCD93ED-1E5B-4CAC-8E41-F6B9D6130FCA}"/>
+              </a:ext>
+            </a:extLst>
+          </p:cNvPr>
+          <p:cNvSpPr txBox="1"/>
+          <p:nvPr/>
+        </p:nvSpPr>
+        <p:spPr>
+          <a:xfrm>
+            <a:off x="6082455" y="1941017"/>
+            <a:ext cx="2108963" cy="400110"/>
+          </a:xfrm>
+          <a:prstGeom prst="rect">
+            <a:avLst/>
+          </a:prstGeom>
+          <a:noFill/>
+        </p:spPr>
+        <p:txBody>
+          <a:bodyPr wrap="square">
+            <a:spAutoFit/>
+          </a:bodyPr>
+          <a:lstStyle/>
+          <a:p>
+            <a:pPr algn="ctr"/>
+            <a:r>
+              <a:rPr lang="en-US" sz="2000" b="1" cap="none" spc="0" dirty="0">
+                <a:ln w="10160">
+                  <a:solidFill>
+                    <a:srgbClr val="2E4D70"/>
+                  </a:solidFill>
+                  <a:prstDash val="solid"/>
+                </a:ln>
+                <a:solidFill>
+                  <a:srgbClr val="FFFFFF"/>
+                </a:solidFill>
+                <a:latin typeface="Courier New" panose="02070309020205020404" pitchFamily="49" charset="0"/>
+                <a:cs typeface="Courier New" panose="02070309020205020404" pitchFamily="49" charset="0"/>
+              </a:rPr>
+              <a:t>Welcome</a:t>
+            </a:r>
           </a:p>
         </p:txBody>
       </p:sp>
@@ -5451,8 +5881,8 @@
         </p:nvSpPr>
         <p:spPr>
           <a:xfrm>
-            <a:off x="4005357" y="1826817"/>
-            <a:ext cx="2791178" cy="430887"/>
+            <a:off x="3631691" y="1214270"/>
+            <a:ext cx="2791178" cy="769441"/>
           </a:xfrm>
           <a:prstGeom prst="rect">
             <a:avLst/>
@@ -5466,7 +5896,23 @@
           <a:lstStyle/>
           <a:p>
             <a:pPr algn="ctr"/>
-            <a:endParaRPr lang="en-US" sz="2200" b="1" cap="none" spc="0" dirty="0">
+            <a:r>
+              <a:rPr lang="ja-JP" altLang="de-DE" sz="4400" b="1" cap="none" spc="0" dirty="0">
+                <a:ln w="10160">
+                  <a:solidFill>
+                    <a:schemeClr val="bg1"/>
+                  </a:solidFill>
+                  <a:prstDash val="solid"/>
+                </a:ln>
+                <a:solidFill>
+                  <a:srgbClr val="2E4D70"/>
+                </a:solidFill>
+                <a:latin typeface="Courier New" panose="02070309020205020404" pitchFamily="49" charset="0"/>
+                <a:cs typeface="Courier New" panose="02070309020205020404" pitchFamily="49" charset="0"/>
+              </a:rPr>
+              <a:t>ようこそ</a:t>
+            </a:r>
+            <a:endParaRPr lang="en-US" sz="4400" b="1" cap="none" spc="0" dirty="0">
               <a:ln w="10160">
                 <a:solidFill>
                   <a:schemeClr val="bg1"/>
@@ -5914,10 +6360,424 @@
           </a:p>
         </p:txBody>
       </p:sp>
+      <p:sp>
+        <p:nvSpPr>
+          <p:cNvPr id="28" name="TextBox 27">
+            <a:extLst>
+              <a:ext uri="{FF2B5EF4-FFF2-40B4-BE49-F238E27FC236}">
+                <a16:creationId xmlns:a16="http://schemas.microsoft.com/office/drawing/2014/main" id="{0B216B48-22C4-401F-96D8-EB96C7F96DAE}"/>
+              </a:ext>
+            </a:extLst>
+          </p:cNvPr>
+          <p:cNvSpPr txBox="1"/>
+          <p:nvPr/>
+        </p:nvSpPr>
+        <p:spPr>
+          <a:xfrm>
+            <a:off x="8278436" y="405455"/>
+            <a:ext cx="2791178" cy="584775"/>
+          </a:xfrm>
+          <a:prstGeom prst="rect">
+            <a:avLst/>
+          </a:prstGeom>
+          <a:noFill/>
+        </p:spPr>
+        <p:txBody>
+          <a:bodyPr wrap="square">
+            <a:spAutoFit/>
+          </a:bodyPr>
+          <a:lstStyle/>
+          <a:p>
+            <a:pPr algn="ctr"/>
+            <a:r>
+              <a:rPr lang="ja-JP" altLang="de-DE" sz="3200" b="1" cap="none" spc="0" dirty="0">
+                <a:ln w="10160">
+                  <a:solidFill>
+                    <a:schemeClr val="bg1"/>
+                  </a:solidFill>
+                  <a:prstDash val="solid"/>
+                </a:ln>
+                <a:solidFill>
+                  <a:srgbClr val="2E4D70"/>
+                </a:solidFill>
+                <a:latin typeface="Courier New" panose="02070309020205020404" pitchFamily="49" charset="0"/>
+                <a:cs typeface="Courier New" panose="02070309020205020404" pitchFamily="49" charset="0"/>
+              </a:rPr>
+              <a:t>ようこそ</a:t>
+            </a:r>
+            <a:endParaRPr lang="en-US" sz="3200" b="1" cap="none" spc="0" dirty="0">
+              <a:ln w="10160">
+                <a:solidFill>
+                  <a:schemeClr val="bg1"/>
+                </a:solidFill>
+                <a:prstDash val="solid"/>
+              </a:ln>
+              <a:solidFill>
+                <a:srgbClr val="2E4D70"/>
+              </a:solidFill>
+              <a:latin typeface="Courier New" panose="02070309020205020404" pitchFamily="49" charset="0"/>
+              <a:cs typeface="Courier New" panose="02070309020205020404" pitchFamily="49" charset="0"/>
+            </a:endParaRPr>
+          </a:p>
+        </p:txBody>
+      </p:sp>
+      <p:sp>
+        <p:nvSpPr>
+          <p:cNvPr id="31" name="TextBox 30">
+            <a:extLst>
+              <a:ext uri="{FF2B5EF4-FFF2-40B4-BE49-F238E27FC236}">
+                <a16:creationId xmlns:a16="http://schemas.microsoft.com/office/drawing/2014/main" id="{82CFE954-F3B6-4BFF-908B-F995D628B57D}"/>
+              </a:ext>
+            </a:extLst>
+          </p:cNvPr>
+          <p:cNvSpPr txBox="1"/>
+          <p:nvPr/>
+        </p:nvSpPr>
+        <p:spPr>
+          <a:xfrm>
+            <a:off x="455618" y="3236351"/>
+            <a:ext cx="2791178" cy="523220"/>
+          </a:xfrm>
+          <a:prstGeom prst="rect">
+            <a:avLst/>
+          </a:prstGeom>
+          <a:noFill/>
+        </p:spPr>
+        <p:txBody>
+          <a:bodyPr wrap="square">
+            <a:spAutoFit/>
+          </a:bodyPr>
+          <a:lstStyle/>
+          <a:p>
+            <a:pPr algn="ctr"/>
+            <a:r>
+              <a:rPr lang="ja-JP" altLang="de-DE" sz="2800" b="1" cap="none" spc="0" dirty="0">
+                <a:ln w="10160">
+                  <a:solidFill>
+                    <a:schemeClr val="bg1"/>
+                  </a:solidFill>
+                  <a:prstDash val="solid"/>
+                </a:ln>
+                <a:solidFill>
+                  <a:srgbClr val="2E4D70"/>
+                </a:solidFill>
+                <a:latin typeface="Courier New" panose="02070309020205020404" pitchFamily="49" charset="0"/>
+                <a:cs typeface="Courier New" panose="02070309020205020404" pitchFamily="49" charset="0"/>
+              </a:rPr>
+              <a:t>ようこそ</a:t>
+            </a:r>
+            <a:endParaRPr lang="en-US" sz="2800" b="1" cap="none" spc="0" dirty="0">
+              <a:ln w="10160">
+                <a:solidFill>
+                  <a:schemeClr val="bg1"/>
+                </a:solidFill>
+                <a:prstDash val="solid"/>
+              </a:ln>
+              <a:solidFill>
+                <a:srgbClr val="2E4D70"/>
+              </a:solidFill>
+              <a:latin typeface="Courier New" panose="02070309020205020404" pitchFamily="49" charset="0"/>
+              <a:cs typeface="Courier New" panose="02070309020205020404" pitchFamily="49" charset="0"/>
+            </a:endParaRPr>
+          </a:p>
+        </p:txBody>
+      </p:sp>
+      <p:sp>
+        <p:nvSpPr>
+          <p:cNvPr id="32" name="TextBox 31">
+            <a:extLst>
+              <a:ext uri="{FF2B5EF4-FFF2-40B4-BE49-F238E27FC236}">
+                <a16:creationId xmlns:a16="http://schemas.microsoft.com/office/drawing/2014/main" id="{7429570E-4911-441D-98FB-E599528290F4}"/>
+              </a:ext>
+            </a:extLst>
+          </p:cNvPr>
+          <p:cNvSpPr txBox="1"/>
+          <p:nvPr/>
+        </p:nvSpPr>
+        <p:spPr>
+          <a:xfrm>
+            <a:off x="6422869" y="3963976"/>
+            <a:ext cx="2791178" cy="461665"/>
+          </a:xfrm>
+          <a:prstGeom prst="rect">
+            <a:avLst/>
+          </a:prstGeom>
+          <a:noFill/>
+        </p:spPr>
+        <p:txBody>
+          <a:bodyPr wrap="square">
+            <a:spAutoFit/>
+          </a:bodyPr>
+          <a:lstStyle/>
+          <a:p>
+            <a:pPr algn="ctr"/>
+            <a:r>
+              <a:rPr lang="ja-JP" altLang="de-DE" sz="2400" b="1" cap="none" spc="0" dirty="0">
+                <a:ln w="10160">
+                  <a:solidFill>
+                    <a:schemeClr val="bg1"/>
+                  </a:solidFill>
+                  <a:prstDash val="solid"/>
+                </a:ln>
+                <a:solidFill>
+                  <a:srgbClr val="2E4D70"/>
+                </a:solidFill>
+                <a:latin typeface="Courier New" panose="02070309020205020404" pitchFamily="49" charset="0"/>
+                <a:cs typeface="Courier New" panose="02070309020205020404" pitchFamily="49" charset="0"/>
+              </a:rPr>
+              <a:t>ようこそ</a:t>
+            </a:r>
+            <a:endParaRPr lang="en-US" sz="2400" b="1" cap="none" spc="0" dirty="0">
+              <a:ln w="10160">
+                <a:solidFill>
+                  <a:schemeClr val="bg1"/>
+                </a:solidFill>
+                <a:prstDash val="solid"/>
+              </a:ln>
+              <a:solidFill>
+                <a:srgbClr val="2E4D70"/>
+              </a:solidFill>
+              <a:latin typeface="Courier New" panose="02070309020205020404" pitchFamily="49" charset="0"/>
+              <a:cs typeface="Courier New" panose="02070309020205020404" pitchFamily="49" charset="0"/>
+            </a:endParaRPr>
+          </a:p>
+        </p:txBody>
+      </p:sp>
+      <p:sp>
+        <p:nvSpPr>
+          <p:cNvPr id="33" name="TextBox 32">
+            <a:extLst>
+              <a:ext uri="{FF2B5EF4-FFF2-40B4-BE49-F238E27FC236}">
+                <a16:creationId xmlns:a16="http://schemas.microsoft.com/office/drawing/2014/main" id="{55AC36AD-3195-4D36-9D2F-AF1A30BAB4B3}"/>
+              </a:ext>
+            </a:extLst>
+          </p:cNvPr>
+          <p:cNvSpPr txBox="1"/>
+          <p:nvPr/>
+        </p:nvSpPr>
+        <p:spPr>
+          <a:xfrm>
+            <a:off x="9494209" y="3575859"/>
+            <a:ext cx="2791178" cy="400110"/>
+          </a:xfrm>
+          <a:prstGeom prst="rect">
+            <a:avLst/>
+          </a:prstGeom>
+          <a:noFill/>
+        </p:spPr>
+        <p:txBody>
+          <a:bodyPr wrap="square">
+            <a:spAutoFit/>
+          </a:bodyPr>
+          <a:lstStyle/>
+          <a:p>
+            <a:pPr algn="ctr"/>
+            <a:r>
+              <a:rPr lang="ja-JP" altLang="de-DE" sz="2000" b="1" cap="none" spc="0" dirty="0">
+                <a:ln w="10160">
+                  <a:solidFill>
+                    <a:schemeClr val="bg1"/>
+                  </a:solidFill>
+                  <a:prstDash val="solid"/>
+                </a:ln>
+                <a:solidFill>
+                  <a:srgbClr val="2E4D70"/>
+                </a:solidFill>
+                <a:latin typeface="Courier New" panose="02070309020205020404" pitchFamily="49" charset="0"/>
+                <a:cs typeface="Courier New" panose="02070309020205020404" pitchFamily="49" charset="0"/>
+              </a:rPr>
+              <a:t>ようこそ</a:t>
+            </a:r>
+            <a:endParaRPr lang="en-US" sz="2000" b="1" cap="none" spc="0" dirty="0">
+              <a:ln w="10160">
+                <a:solidFill>
+                  <a:schemeClr val="bg1"/>
+                </a:solidFill>
+                <a:prstDash val="solid"/>
+              </a:ln>
+              <a:solidFill>
+                <a:srgbClr val="2E4D70"/>
+              </a:solidFill>
+              <a:latin typeface="Courier New" panose="02070309020205020404" pitchFamily="49" charset="0"/>
+              <a:cs typeface="Courier New" panose="02070309020205020404" pitchFamily="49" charset="0"/>
+            </a:endParaRPr>
+          </a:p>
+        </p:txBody>
+      </p:sp>
+      <p:sp>
+        <p:nvSpPr>
+          <p:cNvPr id="34" name="TextBox 33">
+            <a:extLst>
+              <a:ext uri="{FF2B5EF4-FFF2-40B4-BE49-F238E27FC236}">
+                <a16:creationId xmlns:a16="http://schemas.microsoft.com/office/drawing/2014/main" id="{D7EDE440-12A1-4340-BB6B-8A0EFFA6A763}"/>
+              </a:ext>
+            </a:extLst>
+          </p:cNvPr>
+          <p:cNvSpPr txBox="1"/>
+          <p:nvPr/>
+        </p:nvSpPr>
+        <p:spPr>
+          <a:xfrm>
+            <a:off x="244257" y="6021299"/>
+            <a:ext cx="2791178" cy="400110"/>
+          </a:xfrm>
+          <a:prstGeom prst="rect">
+            <a:avLst/>
+          </a:prstGeom>
+          <a:noFill/>
+        </p:spPr>
+        <p:txBody>
+          <a:bodyPr wrap="square">
+            <a:spAutoFit/>
+          </a:bodyPr>
+          <a:lstStyle/>
+          <a:p>
+            <a:pPr algn="ctr"/>
+            <a:r>
+              <a:rPr lang="ja-JP" altLang="de-DE" sz="2000" b="1" cap="none" spc="0" dirty="0">
+                <a:ln w="10160">
+                  <a:solidFill>
+                    <a:schemeClr val="bg1"/>
+                  </a:solidFill>
+                  <a:prstDash val="solid"/>
+                </a:ln>
+                <a:solidFill>
+                  <a:srgbClr val="2E4D70"/>
+                </a:solidFill>
+                <a:latin typeface="Courier New" panose="02070309020205020404" pitchFamily="49" charset="0"/>
+                <a:cs typeface="Courier New" panose="02070309020205020404" pitchFamily="49" charset="0"/>
+              </a:rPr>
+              <a:t>ようこそ</a:t>
+            </a:r>
+            <a:endParaRPr lang="en-US" sz="2000" b="1" cap="none" spc="0" dirty="0">
+              <a:ln w="10160">
+                <a:solidFill>
+                  <a:schemeClr val="bg1"/>
+                </a:solidFill>
+                <a:prstDash val="solid"/>
+              </a:ln>
+              <a:solidFill>
+                <a:srgbClr val="2E4D70"/>
+              </a:solidFill>
+              <a:latin typeface="Courier New" panose="02070309020205020404" pitchFamily="49" charset="0"/>
+              <a:cs typeface="Courier New" panose="02070309020205020404" pitchFamily="49" charset="0"/>
+            </a:endParaRPr>
+          </a:p>
+        </p:txBody>
+      </p:sp>
+      <p:sp>
+        <p:nvSpPr>
+          <p:cNvPr id="35" name="TextBox 34">
+            <a:extLst>
+              <a:ext uri="{FF2B5EF4-FFF2-40B4-BE49-F238E27FC236}">
+                <a16:creationId xmlns:a16="http://schemas.microsoft.com/office/drawing/2014/main" id="{D2165B08-AE91-4CE2-8D8B-5A53702A4350}"/>
+              </a:ext>
+            </a:extLst>
+          </p:cNvPr>
+          <p:cNvSpPr txBox="1"/>
+          <p:nvPr/>
+        </p:nvSpPr>
+        <p:spPr>
+          <a:xfrm>
+            <a:off x="8470957" y="5755337"/>
+            <a:ext cx="2791178" cy="400110"/>
+          </a:xfrm>
+          <a:prstGeom prst="rect">
+            <a:avLst/>
+          </a:prstGeom>
+          <a:noFill/>
+        </p:spPr>
+        <p:txBody>
+          <a:bodyPr wrap="square">
+            <a:spAutoFit/>
+          </a:bodyPr>
+          <a:lstStyle/>
+          <a:p>
+            <a:pPr algn="ctr"/>
+            <a:r>
+              <a:rPr lang="ja-JP" altLang="de-DE" sz="2000" b="1" cap="none" spc="0" dirty="0">
+                <a:ln w="10160">
+                  <a:solidFill>
+                    <a:schemeClr val="bg1"/>
+                  </a:solidFill>
+                  <a:prstDash val="solid"/>
+                </a:ln>
+                <a:solidFill>
+                  <a:srgbClr val="2E4D70"/>
+                </a:solidFill>
+                <a:latin typeface="Courier New" panose="02070309020205020404" pitchFamily="49" charset="0"/>
+                <a:cs typeface="Courier New" panose="02070309020205020404" pitchFamily="49" charset="0"/>
+              </a:rPr>
+              <a:t>ようこそ</a:t>
+            </a:r>
+            <a:endParaRPr lang="en-US" sz="2000" b="1" cap="none" spc="0" dirty="0">
+              <a:ln w="10160">
+                <a:solidFill>
+                  <a:schemeClr val="bg1"/>
+                </a:solidFill>
+                <a:prstDash val="solid"/>
+              </a:ln>
+              <a:solidFill>
+                <a:srgbClr val="2E4D70"/>
+              </a:solidFill>
+              <a:latin typeface="Courier New" panose="02070309020205020404" pitchFamily="49" charset="0"/>
+              <a:cs typeface="Courier New" panose="02070309020205020404" pitchFamily="49" charset="0"/>
+            </a:endParaRPr>
+          </a:p>
+        </p:txBody>
+      </p:sp>
+      <p:sp>
+        <p:nvSpPr>
+          <p:cNvPr id="36" name="TextBox 35">
+            <a:extLst>
+              <a:ext uri="{FF2B5EF4-FFF2-40B4-BE49-F238E27FC236}">
+                <a16:creationId xmlns:a16="http://schemas.microsoft.com/office/drawing/2014/main" id="{DCCD93ED-1E5B-4CAC-8E41-F6B9D6130FCA}"/>
+              </a:ext>
+            </a:extLst>
+          </p:cNvPr>
+          <p:cNvSpPr txBox="1"/>
+          <p:nvPr/>
+        </p:nvSpPr>
+        <p:spPr>
+          <a:xfrm>
+            <a:off x="6082455" y="1941017"/>
+            <a:ext cx="2108963" cy="400110"/>
+          </a:xfrm>
+          <a:prstGeom prst="rect">
+            <a:avLst/>
+          </a:prstGeom>
+          <a:noFill/>
+        </p:spPr>
+        <p:txBody>
+          <a:bodyPr wrap="square">
+            <a:spAutoFit/>
+          </a:bodyPr>
+          <a:lstStyle/>
+          <a:p>
+            <a:pPr algn="ctr"/>
+            <a:r>
+              <a:rPr lang="en-US" sz="2000" b="1" cap="none" spc="0" dirty="0">
+                <a:ln w="10160">
+                  <a:solidFill>
+                    <a:srgbClr val="2E4D70"/>
+                  </a:solidFill>
+                  <a:prstDash val="solid"/>
+                </a:ln>
+                <a:solidFill>
+                  <a:srgbClr val="2E4D70"/>
+                </a:solidFill>
+                <a:latin typeface="Courier New" panose="02070309020205020404" pitchFamily="49" charset="0"/>
+                <a:cs typeface="Courier New" panose="02070309020205020404" pitchFamily="49" charset="0"/>
+              </a:rPr>
+              <a:t>Welcome</a:t>
+            </a:r>
+          </a:p>
+        </p:txBody>
+      </p:sp>
     </p:spTree>
     <p:extLst>
       <p:ext uri="{BB962C8B-B14F-4D97-AF65-F5344CB8AC3E}">
-        <p14:creationId xmlns:p14="http://schemas.microsoft.com/office/powerpoint/2010/main" val="2556098338"/>
+        <p14:creationId xmlns:p14="http://schemas.microsoft.com/office/powerpoint/2010/main" val="3580630862"/>
       </p:ext>
     </p:extLst>
   </p:cSld>
